--- a/technicalSeminar_20250408.pptx
+++ b/technicalSeminar_20250408.pptx
@@ -148,7 +148,7 @@
   <pc:docChgLst>
     <pc:chgData name="Laura Morales" userId="e1ec05f6-b3f6-4ab6-87d6-a47b910f32cc" providerId="ADAL" clId="{6E30FDB7-3C2C-4717-B75A-A734E55250D0}"/>
     <pc:docChg chg="undo redo custSel addSld delSld modSld sldOrd">
-      <pc:chgData name="Laura Morales" userId="e1ec05f6-b3f6-4ab6-87d6-a47b910f32cc" providerId="ADAL" clId="{6E30FDB7-3C2C-4717-B75A-A734E55250D0}" dt="2025-04-07T21:16:08.608" v="9910" actId="20577"/>
+      <pc:chgData name="Laura Morales" userId="e1ec05f6-b3f6-4ab6-87d6-a47b910f32cc" providerId="ADAL" clId="{6E30FDB7-3C2C-4717-B75A-A734E55250D0}" dt="2025-04-08T10:55:44.732" v="9912" actId="20577"/>
       <pc:docMkLst>
         <pc:docMk/>
       </pc:docMkLst>
@@ -1139,13 +1139,13 @@
         </pc:sldMkLst>
       </pc:sldChg>
       <pc:sldChg chg="modSp add mod">
-        <pc:chgData name="Laura Morales" userId="e1ec05f6-b3f6-4ab6-87d6-a47b910f32cc" providerId="ADAL" clId="{6E30FDB7-3C2C-4717-B75A-A734E55250D0}" dt="2025-04-07T21:16:08.608" v="9910" actId="20577"/>
+        <pc:chgData name="Laura Morales" userId="e1ec05f6-b3f6-4ab6-87d6-a47b910f32cc" providerId="ADAL" clId="{6E30FDB7-3C2C-4717-B75A-A734E55250D0}" dt="2025-04-08T10:55:44.732" v="9912" actId="20577"/>
         <pc:sldMkLst>
           <pc:docMk/>
           <pc:sldMk cId="3513170567" sldId="283"/>
         </pc:sldMkLst>
         <pc:spChg chg="mod">
-          <ac:chgData name="Laura Morales" userId="e1ec05f6-b3f6-4ab6-87d6-a47b910f32cc" providerId="ADAL" clId="{6E30FDB7-3C2C-4717-B75A-A734E55250D0}" dt="2025-04-07T21:16:08.608" v="9910" actId="20577"/>
+          <ac:chgData name="Laura Morales" userId="e1ec05f6-b3f6-4ab6-87d6-a47b910f32cc" providerId="ADAL" clId="{6E30FDB7-3C2C-4717-B75A-A734E55250D0}" dt="2025-04-08T10:55:44.732" v="9912" actId="20577"/>
           <ac:spMkLst>
             <pc:docMk/>
             <pc:sldMk cId="3513170567" sldId="283"/>
@@ -1240,7 +1240,7 @@
           <a:p>
             <a:fld id="{18A70B55-A098-4EC5-B3CA-7EE5D5AA1C64}" type="datetimeFigureOut">
               <a:rPr lang="en-US" smtClean="0"/>
-              <a:t>4/7/2025</a:t>
+              <a:t>4/8/2025</a:t>
             </a:fld>
             <a:endParaRPr lang="en-US"/>
           </a:p>
@@ -2386,7 +2386,7 @@
           <a:p>
             <a:fld id="{A2C7B4CB-4837-4263-937E-49D716B6BEC5}" type="datetimeFigureOut">
               <a:rPr lang="en-US" smtClean="0"/>
-              <a:t>4/7/2025</a:t>
+              <a:t>4/8/2025</a:t>
             </a:fld>
             <a:endParaRPr lang="en-US"/>
           </a:p>
@@ -2584,7 +2584,7 @@
           <a:p>
             <a:fld id="{A2C7B4CB-4837-4263-937E-49D716B6BEC5}" type="datetimeFigureOut">
               <a:rPr lang="en-US" smtClean="0"/>
-              <a:t>4/7/2025</a:t>
+              <a:t>4/8/2025</a:t>
             </a:fld>
             <a:endParaRPr lang="en-US"/>
           </a:p>
@@ -2792,7 +2792,7 @@
           <a:p>
             <a:fld id="{A2C7B4CB-4837-4263-937E-49D716B6BEC5}" type="datetimeFigureOut">
               <a:rPr lang="en-US" smtClean="0"/>
-              <a:t>4/7/2025</a:t>
+              <a:t>4/8/2025</a:t>
             </a:fld>
             <a:endParaRPr lang="en-US"/>
           </a:p>
@@ -2990,7 +2990,7 @@
           <a:p>
             <a:fld id="{A2C7B4CB-4837-4263-937E-49D716B6BEC5}" type="datetimeFigureOut">
               <a:rPr lang="en-US" smtClean="0"/>
-              <a:t>4/7/2025</a:t>
+              <a:t>4/8/2025</a:t>
             </a:fld>
             <a:endParaRPr lang="en-US"/>
           </a:p>
@@ -3265,7 +3265,7 @@
           <a:p>
             <a:fld id="{A2C7B4CB-4837-4263-937E-49D716B6BEC5}" type="datetimeFigureOut">
               <a:rPr lang="en-US" smtClean="0"/>
-              <a:t>4/7/2025</a:t>
+              <a:t>4/8/2025</a:t>
             </a:fld>
             <a:endParaRPr lang="en-US"/>
           </a:p>
@@ -3530,7 +3530,7 @@
           <a:p>
             <a:fld id="{A2C7B4CB-4837-4263-937E-49D716B6BEC5}" type="datetimeFigureOut">
               <a:rPr lang="en-US" smtClean="0"/>
-              <a:t>4/7/2025</a:t>
+              <a:t>4/8/2025</a:t>
             </a:fld>
             <a:endParaRPr lang="en-US"/>
           </a:p>
@@ -3942,7 +3942,7 @@
           <a:p>
             <a:fld id="{A2C7B4CB-4837-4263-937E-49D716B6BEC5}" type="datetimeFigureOut">
               <a:rPr lang="en-US" smtClean="0"/>
-              <a:t>4/7/2025</a:t>
+              <a:t>4/8/2025</a:t>
             </a:fld>
             <a:endParaRPr lang="en-US"/>
           </a:p>
@@ -4083,7 +4083,7 @@
           <a:p>
             <a:fld id="{A2C7B4CB-4837-4263-937E-49D716B6BEC5}" type="datetimeFigureOut">
               <a:rPr lang="en-US" smtClean="0"/>
-              <a:t>4/7/2025</a:t>
+              <a:t>4/8/2025</a:t>
             </a:fld>
             <a:endParaRPr lang="en-US"/>
           </a:p>
@@ -4196,7 +4196,7 @@
           <a:p>
             <a:fld id="{A2C7B4CB-4837-4263-937E-49D716B6BEC5}" type="datetimeFigureOut">
               <a:rPr lang="en-US" smtClean="0"/>
-              <a:t>4/7/2025</a:t>
+              <a:t>4/8/2025</a:t>
             </a:fld>
             <a:endParaRPr lang="en-US"/>
           </a:p>
@@ -4507,7 +4507,7 @@
           <a:p>
             <a:fld id="{A2C7B4CB-4837-4263-937E-49D716B6BEC5}" type="datetimeFigureOut">
               <a:rPr lang="en-US" smtClean="0"/>
-              <a:t>4/7/2025</a:t>
+              <a:t>4/8/2025</a:t>
             </a:fld>
             <a:endParaRPr lang="en-US"/>
           </a:p>
@@ -4795,7 +4795,7 @@
           <a:p>
             <a:fld id="{A2C7B4CB-4837-4263-937E-49D716B6BEC5}" type="datetimeFigureOut">
               <a:rPr lang="en-US" smtClean="0"/>
-              <a:t>4/7/2025</a:t>
+              <a:t>4/8/2025</a:t>
             </a:fld>
             <a:endParaRPr lang="en-US"/>
           </a:p>
@@ -5036,7 +5036,7 @@
           <a:p>
             <a:fld id="{A2C7B4CB-4837-4263-937E-49D716B6BEC5}" type="datetimeFigureOut">
               <a:rPr lang="en-US" smtClean="0"/>
-              <a:t>4/7/2025</a:t>
+              <a:t>4/8/2025</a:t>
             </a:fld>
             <a:endParaRPr lang="en-US"/>
           </a:p>
@@ -25472,7 +25472,7 @@
             </a:r>
             <a:r>
               <a:rPr lang="en-US"/>
-              <a:t>from 16 </a:t>
+              <a:t>from 15 </a:t>
             </a:r>
             <a:r>
               <a:rPr lang="en-US" dirty="0"/>
